--- a/CSE219-F18/TestDrivenDevelopment.pptx
+++ b/CSE219-F18/TestDrivenDevelopment.pptx
@@ -17823,75 +17823,94 @@
         <p:spPr>
           <a:xfrm>
             <a:off x="1219200" y="701676"/>
-            <a:ext cx="10363200" cy="4779963"/>
+            <a:ext cx="10363200" cy="5508624"/>
           </a:xfrm>
         </p:spPr>
         <p:txBody>
           <a:bodyPr>
-            <a:normAutofit fontScale="77500" lnSpcReduction="20000"/>
+            <a:normAutofit fontScale="85000" lnSpcReduction="20000"/>
           </a:bodyPr>
           <a:lstStyle/>
           <a:p>
             <a:r>
-              <a:rPr lang="en-US" altLang="en-US" sz="3200"/>
+              <a:rPr lang="en-US" altLang="en-US" dirty="0">
+                <a:hlinkClick r:id="rId2"/>
+              </a:rPr>
+              <a:t>https://www.youtube.com/watch?v=mD-fGb_</a:t>
+            </a:r>
+            <a:r>
+              <a:rPr lang="en-US" altLang="en-US">
+                <a:hlinkClick r:id="rId2"/>
+              </a:rPr>
+              <a:t>7yp4</a:t>
+            </a:r>
+            <a:r>
+              <a:rPr lang="en-US" altLang="en-US"/>
+              <a:t>  </a:t>
+            </a:r>
+            <a:endParaRPr lang="en-US" altLang="en-US" dirty="0"/>
+          </a:p>
+          <a:p>
+            <a:r>
+              <a:rPr lang="en-US" altLang="en-US" sz="3200" dirty="0"/>
               <a:t>Unit Testing</a:t>
             </a:r>
           </a:p>
           <a:p>
             <a:pPr lvl="1"/>
             <a:r>
-              <a:rPr lang="en-US" altLang="en-US" sz="3200"/>
+              <a:rPr lang="en-US" altLang="en-US" sz="3200" dirty="0"/>
               <a:t>Test each module in a program separately.</a:t>
             </a:r>
           </a:p>
           <a:p>
             <a:r>
-              <a:rPr lang="en-US" altLang="en-US" sz="3200"/>
+              <a:rPr lang="en-US" altLang="en-US" sz="3200" dirty="0"/>
               <a:t>Integration Testing</a:t>
             </a:r>
           </a:p>
           <a:p>
             <a:pPr lvl="1"/>
             <a:r>
-              <a:rPr lang="en-US" altLang="en-US" sz="3200"/>
+              <a:rPr lang="en-US" altLang="en-US" sz="3200" dirty="0"/>
               <a:t>Test interfaces between modules.</a:t>
             </a:r>
           </a:p>
           <a:p>
             <a:pPr lvl="1"/>
             <a:r>
-              <a:rPr lang="en-US" altLang="en-US" sz="3200"/>
+              <a:rPr lang="en-US" altLang="en-US" sz="3200" dirty="0"/>
               <a:t>Much more difficult than unit testing</a:t>
             </a:r>
           </a:p>
           <a:p>
             <a:r>
-              <a:rPr lang="en-US" altLang="en-US" sz="3200"/>
+              <a:rPr lang="en-US" altLang="en-US" sz="3200" dirty="0"/>
               <a:t>Regression Testing</a:t>
             </a:r>
           </a:p>
           <a:p>
             <a:pPr lvl="1"/>
             <a:r>
-              <a:rPr lang="en-US" altLang="en-US" sz="3200"/>
+              <a:rPr lang="en-US" altLang="en-US" sz="3200" dirty="0"/>
               <a:t>Test programs after modifications to ensure correct behavior of the original program is preserved.</a:t>
             </a:r>
           </a:p>
           <a:p>
             <a:r>
-              <a:rPr lang="en-US" altLang="en-US" sz="3200"/>
+              <a:rPr lang="en-US" altLang="en-US" sz="3200" dirty="0"/>
               <a:t>System Testing</a:t>
             </a:r>
           </a:p>
           <a:p>
             <a:pPr lvl="1"/>
             <a:r>
-              <a:rPr lang="en-US" altLang="en-US" sz="3200"/>
+              <a:rPr lang="en-US" altLang="en-US" sz="3200" dirty="0"/>
               <a:t>Test overall system behavior.</a:t>
             </a:r>
           </a:p>
           <a:p>
-            <a:endParaRPr lang="en-US" altLang="en-US" sz="3200"/>
+            <a:endParaRPr lang="en-US" altLang="en-US" sz="3200" dirty="0"/>
           </a:p>
         </p:txBody>
       </p:sp>
